--- a/Rédaction Email Professionnel.pptx
+++ b/Rédaction Email Professionnel.pptx
@@ -7681,7 +7681,7 @@
             <a:pPr algn="r"/>
             <a:r>
               <a:rPr lang="fr-FR" dirty="0" smtClean="0"/>
-              <a:t>    Réaliser Par  MASTOUR Youssra </a:t>
+              <a:t>   </a:t>
             </a:r>
             <a:endParaRPr lang="fr-FR" dirty="0"/>
           </a:p>
@@ -8620,11 +8620,7 @@
             <a:pPr algn="ctr"/>
             <a:r>
               <a:rPr lang="fr-FR" dirty="0" smtClean="0"/>
-              <a:t>R</a:t>
-            </a:r>
-            <a:r>
-              <a:rPr lang="fr-FR" dirty="0" smtClean="0"/>
-              <a:t>édaction d’email</a:t>
+              <a:t>Rédaction d’email</a:t>
             </a:r>
             <a:endParaRPr lang="fr-FR" dirty="0"/>
           </a:p>
@@ -8830,13 +8826,29 @@
           </a:xfrm>
         </p:spPr>
         <p:txBody>
-          <a:bodyPr/>
+          <a:bodyPr>
+            <a:normAutofit fontScale="90000"/>
+          </a:bodyPr>
           <a:lstStyle/>
           <a:p>
             <a:pPr algn="ctr"/>
             <a:r>
               <a:rPr lang="fr-FR" dirty="0" smtClean="0"/>
-              <a:t>Conclusion </a:t>
+              <a:t>Conclusion</a:t>
+            </a:r>
+            <a:br>
+              <a:rPr lang="fr-FR" dirty="0" smtClean="0"/>
+            </a:br>
+            <a:r>
+              <a:rPr lang="fr-FR" dirty="0"/>
+              <a:t/>
+            </a:r>
+            <a:br>
+              <a:rPr lang="fr-FR" dirty="0"/>
+            </a:br>
+            <a:r>
+              <a:rPr lang="fr-FR" dirty="0" smtClean="0"/>
+              <a:t> </a:t>
             </a:r>
             <a:endParaRPr lang="fr-FR" dirty="0"/>
           </a:p>
